--- a/6 - Forbedret sikkerhed med opbygning af software i komponenter.pptx
+++ b/6 - Forbedret sikkerhed med opbygning af software i komponenter.pptx
@@ -4030,16 +4030,60 @@
           <a:p>
             <a:pPr lvl="1"/>
             <a:r>
-              <a:rPr lang="en-GB" smtClean="0"/>
+              <a:rPr lang="en-GB" dirty="0" smtClean="0"/>
               <a:t>Testing</a:t>
             </a:r>
+          </a:p>
+          <a:p>
+            <a:r>
+              <a:rPr lang="en-GB" dirty="0" smtClean="0"/>
+              <a:t>Design </a:t>
+            </a:r>
+            <a:r>
+              <a:rPr lang="en-GB" dirty="0" smtClean="0"/>
+              <a:t>patterns</a:t>
+            </a:r>
+          </a:p>
+          <a:p>
+            <a:pPr lvl="1"/>
+            <a:r>
+              <a:rPr lang="en-GB" dirty="0" smtClean="0"/>
+              <a:t>Singleton</a:t>
+            </a:r>
+          </a:p>
+          <a:p>
+            <a:pPr lvl="1"/>
+            <a:r>
+              <a:rPr lang="en-GB" dirty="0" smtClean="0"/>
+              <a:t>Facade</a:t>
+            </a:r>
+          </a:p>
+          <a:p>
+            <a:pPr lvl="1"/>
+            <a:r>
+              <a:rPr lang="en-GB" dirty="0" smtClean="0"/>
+              <a:t>Iterator</a:t>
+            </a:r>
+          </a:p>
+          <a:p>
+            <a:pPr lvl="1"/>
+            <a:r>
+              <a:rPr lang="en-GB" dirty="0" err="1" smtClean="0"/>
+              <a:t>Og</a:t>
+            </a:r>
+            <a:r>
+              <a:rPr lang="en-GB" dirty="0" smtClean="0"/>
+              <a:t> mange </a:t>
+            </a:r>
+            <a:r>
+              <a:rPr lang="en-GB" dirty="0" err="1" smtClean="0"/>
+              <a:t>flere</a:t>
+            </a:r>
+            <a:r>
+              <a:rPr lang="en-GB" dirty="0" smtClean="0"/>
+              <a:t>…</a:t>
+            </a:r>
             <a:endParaRPr lang="en-GB" dirty="0" smtClean="0"/>
-          </a:p>
-          <a:p>
-            <a:r>
-              <a:rPr lang="en-GB" dirty="0" smtClean="0"/>
-              <a:t>Design patterns</a:t>
-            </a:r>
           </a:p>
           <a:p>
             <a:r>

--- a/6 - Forbedret sikkerhed med opbygning af software i komponenter.pptx
+++ b/6 - Forbedret sikkerhed med opbygning af software i komponenter.pptx
@@ -249,7 +249,7 @@
           <a:p>
             <a:fld id="{2D7FE219-F25D-49CA-BAF6-41155C8B64D3}" type="datetimeFigureOut">
               <a:rPr lang="en-US" smtClean="0"/>
-              <a:t>10/24/2021</a:t>
+              <a:t>10/25/2021</a:t>
             </a:fld>
             <a:endParaRPr lang="en-US"/>
           </a:p>
@@ -419,7 +419,7 @@
           <a:p>
             <a:fld id="{2D7FE219-F25D-49CA-BAF6-41155C8B64D3}" type="datetimeFigureOut">
               <a:rPr lang="en-US" smtClean="0"/>
-              <a:t>10/24/2021</a:t>
+              <a:t>10/25/2021</a:t>
             </a:fld>
             <a:endParaRPr lang="en-US"/>
           </a:p>
@@ -599,7 +599,7 @@
           <a:p>
             <a:fld id="{2D7FE219-F25D-49CA-BAF6-41155C8B64D3}" type="datetimeFigureOut">
               <a:rPr lang="en-US" smtClean="0"/>
-              <a:t>10/24/2021</a:t>
+              <a:t>10/25/2021</a:t>
             </a:fld>
             <a:endParaRPr lang="en-US"/>
           </a:p>
@@ -769,7 +769,7 @@
           <a:p>
             <a:fld id="{2D7FE219-F25D-49CA-BAF6-41155C8B64D3}" type="datetimeFigureOut">
               <a:rPr lang="en-US" smtClean="0"/>
-              <a:t>10/24/2021</a:t>
+              <a:t>10/25/2021</a:t>
             </a:fld>
             <a:endParaRPr lang="en-US"/>
           </a:p>
@@ -1015,7 +1015,7 @@
           <a:p>
             <a:fld id="{2D7FE219-F25D-49CA-BAF6-41155C8B64D3}" type="datetimeFigureOut">
               <a:rPr lang="en-US" smtClean="0"/>
-              <a:t>10/24/2021</a:t>
+              <a:t>10/25/2021</a:t>
             </a:fld>
             <a:endParaRPr lang="en-US"/>
           </a:p>
@@ -1247,7 +1247,7 @@
           <a:p>
             <a:fld id="{2D7FE219-F25D-49CA-BAF6-41155C8B64D3}" type="datetimeFigureOut">
               <a:rPr lang="en-US" smtClean="0"/>
-              <a:t>10/24/2021</a:t>
+              <a:t>10/25/2021</a:t>
             </a:fld>
             <a:endParaRPr lang="en-US"/>
           </a:p>
@@ -1614,7 +1614,7 @@
           <a:p>
             <a:fld id="{2D7FE219-F25D-49CA-BAF6-41155C8B64D3}" type="datetimeFigureOut">
               <a:rPr lang="en-US" smtClean="0"/>
-              <a:t>10/24/2021</a:t>
+              <a:t>10/25/2021</a:t>
             </a:fld>
             <a:endParaRPr lang="en-US"/>
           </a:p>
@@ -1732,7 +1732,7 @@
           <a:p>
             <a:fld id="{2D7FE219-F25D-49CA-BAF6-41155C8B64D3}" type="datetimeFigureOut">
               <a:rPr lang="en-US" smtClean="0"/>
-              <a:t>10/24/2021</a:t>
+              <a:t>10/25/2021</a:t>
             </a:fld>
             <a:endParaRPr lang="en-US"/>
           </a:p>
@@ -1827,7 +1827,7 @@
           <a:p>
             <a:fld id="{2D7FE219-F25D-49CA-BAF6-41155C8B64D3}" type="datetimeFigureOut">
               <a:rPr lang="en-US" smtClean="0"/>
-              <a:t>10/24/2021</a:t>
+              <a:t>10/25/2021</a:t>
             </a:fld>
             <a:endParaRPr lang="en-US"/>
           </a:p>
@@ -2104,7 +2104,7 @@
           <a:p>
             <a:fld id="{2D7FE219-F25D-49CA-BAF6-41155C8B64D3}" type="datetimeFigureOut">
               <a:rPr lang="en-US" smtClean="0"/>
-              <a:t>10/24/2021</a:t>
+              <a:t>10/25/2021</a:t>
             </a:fld>
             <a:endParaRPr lang="en-US"/>
           </a:p>
@@ -2357,7 +2357,7 @@
           <a:p>
             <a:fld id="{2D7FE219-F25D-49CA-BAF6-41155C8B64D3}" type="datetimeFigureOut">
               <a:rPr lang="en-US" smtClean="0"/>
-              <a:t>10/24/2021</a:t>
+              <a:t>10/25/2021</a:t>
             </a:fld>
             <a:endParaRPr lang="en-US"/>
           </a:p>
@@ -2570,7 +2570,7 @@
           <a:p>
             <a:fld id="{2D7FE219-F25D-49CA-BAF6-41155C8B64D3}" type="datetimeFigureOut">
               <a:rPr lang="en-US" smtClean="0"/>
-              <a:t>10/24/2021</a:t>
+              <a:t>10/25/2021</a:t>
             </a:fld>
             <a:endParaRPr lang="en-US"/>
           </a:p>
@@ -4037,11 +4037,7 @@
           <a:p>
             <a:r>
               <a:rPr lang="en-GB" dirty="0" smtClean="0"/>
-              <a:t>Design </a:t>
-            </a:r>
-            <a:r>
-              <a:rPr lang="en-GB" dirty="0" smtClean="0"/>
-              <a:t>patterns</a:t>
+              <a:t>Design patterns</a:t>
             </a:r>
           </a:p>
           <a:p>
@@ -4083,7 +4079,6 @@
               <a:rPr lang="en-GB" dirty="0" smtClean="0"/>
               <a:t>…</a:t>
             </a:r>
-            <a:endParaRPr lang="en-GB" dirty="0" smtClean="0"/>
           </a:p>
           <a:p>
             <a:r>

--- a/6 - Forbedret sikkerhed med opbygning af software i komponenter.pptx
+++ b/6 - Forbedret sikkerhed med opbygning af software i komponenter.pptx
@@ -4191,6 +4191,32 @@
             </a:r>
           </a:p>
           <a:p>
+            <a:r>
+              <a:rPr lang="en-GB" dirty="0" err="1" smtClean="0"/>
+              <a:t>Meget</a:t>
+            </a:r>
+            <a:r>
+              <a:rPr lang="en-GB" dirty="0" smtClean="0"/>
+              <a:t> </a:t>
+            </a:r>
+            <a:r>
+              <a:rPr lang="en-GB" dirty="0" err="1" smtClean="0"/>
+              <a:t>kendt</a:t>
+            </a:r>
+            <a:r>
+              <a:rPr lang="en-GB" dirty="0" smtClean="0"/>
+              <a:t> versus </a:t>
+            </a:r>
+            <a:r>
+              <a:rPr lang="en-GB" dirty="0" err="1" smtClean="0"/>
+              <a:t>ukendt</a:t>
+            </a:r>
+            <a:endParaRPr lang="en-GB" dirty="0" smtClean="0"/>
+          </a:p>
+          <a:p>
+            <a:endParaRPr lang="en-GB" dirty="0" smtClean="0"/>
+          </a:p>
+          <a:p>
             <a:endParaRPr lang="en-GB" dirty="0"/>
           </a:p>
         </p:txBody>

--- a/6 - Forbedret sikkerhed med opbygning af software i komponenter.pptx
+++ b/6 - Forbedret sikkerhed med opbygning af software i komponenter.pptx
@@ -249,7 +249,7 @@
           <a:p>
             <a:fld id="{2D7FE219-F25D-49CA-BAF6-41155C8B64D3}" type="datetimeFigureOut">
               <a:rPr lang="en-US" smtClean="0"/>
-              <a:t>10/25/2021</a:t>
+              <a:t>10/26/2021</a:t>
             </a:fld>
             <a:endParaRPr lang="en-US"/>
           </a:p>
@@ -419,7 +419,7 @@
           <a:p>
             <a:fld id="{2D7FE219-F25D-49CA-BAF6-41155C8B64D3}" type="datetimeFigureOut">
               <a:rPr lang="en-US" smtClean="0"/>
-              <a:t>10/25/2021</a:t>
+              <a:t>10/26/2021</a:t>
             </a:fld>
             <a:endParaRPr lang="en-US"/>
           </a:p>
@@ -599,7 +599,7 @@
           <a:p>
             <a:fld id="{2D7FE219-F25D-49CA-BAF6-41155C8B64D3}" type="datetimeFigureOut">
               <a:rPr lang="en-US" smtClean="0"/>
-              <a:t>10/25/2021</a:t>
+              <a:t>10/26/2021</a:t>
             </a:fld>
             <a:endParaRPr lang="en-US"/>
           </a:p>
@@ -769,7 +769,7 @@
           <a:p>
             <a:fld id="{2D7FE219-F25D-49CA-BAF6-41155C8B64D3}" type="datetimeFigureOut">
               <a:rPr lang="en-US" smtClean="0"/>
-              <a:t>10/25/2021</a:t>
+              <a:t>10/26/2021</a:t>
             </a:fld>
             <a:endParaRPr lang="en-US"/>
           </a:p>
@@ -1015,7 +1015,7 @@
           <a:p>
             <a:fld id="{2D7FE219-F25D-49CA-BAF6-41155C8B64D3}" type="datetimeFigureOut">
               <a:rPr lang="en-US" smtClean="0"/>
-              <a:t>10/25/2021</a:t>
+              <a:t>10/26/2021</a:t>
             </a:fld>
             <a:endParaRPr lang="en-US"/>
           </a:p>
@@ -1247,7 +1247,7 @@
           <a:p>
             <a:fld id="{2D7FE219-F25D-49CA-BAF6-41155C8B64D3}" type="datetimeFigureOut">
               <a:rPr lang="en-US" smtClean="0"/>
-              <a:t>10/25/2021</a:t>
+              <a:t>10/26/2021</a:t>
             </a:fld>
             <a:endParaRPr lang="en-US"/>
           </a:p>
@@ -1614,7 +1614,7 @@
           <a:p>
             <a:fld id="{2D7FE219-F25D-49CA-BAF6-41155C8B64D3}" type="datetimeFigureOut">
               <a:rPr lang="en-US" smtClean="0"/>
-              <a:t>10/25/2021</a:t>
+              <a:t>10/26/2021</a:t>
             </a:fld>
             <a:endParaRPr lang="en-US"/>
           </a:p>
@@ -1732,7 +1732,7 @@
           <a:p>
             <a:fld id="{2D7FE219-F25D-49CA-BAF6-41155C8B64D3}" type="datetimeFigureOut">
               <a:rPr lang="en-US" smtClean="0"/>
-              <a:t>10/25/2021</a:t>
+              <a:t>10/26/2021</a:t>
             </a:fld>
             <a:endParaRPr lang="en-US"/>
           </a:p>
@@ -1827,7 +1827,7 @@
           <a:p>
             <a:fld id="{2D7FE219-F25D-49CA-BAF6-41155C8B64D3}" type="datetimeFigureOut">
               <a:rPr lang="en-US" smtClean="0"/>
-              <a:t>10/25/2021</a:t>
+              <a:t>10/26/2021</a:t>
             </a:fld>
             <a:endParaRPr lang="en-US"/>
           </a:p>
@@ -2104,7 +2104,7 @@
           <a:p>
             <a:fld id="{2D7FE219-F25D-49CA-BAF6-41155C8B64D3}" type="datetimeFigureOut">
               <a:rPr lang="en-US" smtClean="0"/>
-              <a:t>10/25/2021</a:t>
+              <a:t>10/26/2021</a:t>
             </a:fld>
             <a:endParaRPr lang="en-US"/>
           </a:p>
@@ -2357,7 +2357,7 @@
           <a:p>
             <a:fld id="{2D7FE219-F25D-49CA-BAF6-41155C8B64D3}" type="datetimeFigureOut">
               <a:rPr lang="en-US" smtClean="0"/>
-              <a:t>10/25/2021</a:t>
+              <a:t>10/26/2021</a:t>
             </a:fld>
             <a:endParaRPr lang="en-US"/>
           </a:p>
@@ -2570,7 +2570,7 @@
           <a:p>
             <a:fld id="{2D7FE219-F25D-49CA-BAF6-41155C8B64D3}" type="datetimeFigureOut">
               <a:rPr lang="en-US" smtClean="0"/>
-              <a:t>10/25/2021</a:t>
+              <a:t>10/26/2021</a:t>
             </a:fld>
             <a:endParaRPr lang="en-US"/>
           </a:p>
@@ -4293,6 +4293,23 @@
           <a:bodyPr/>
           <a:lstStyle/>
           <a:p>
+            <a:r>
+              <a:rPr lang="en-GB" dirty="0" err="1" smtClean="0"/>
+              <a:t>Cryptografi</a:t>
+            </a:r>
+            <a:endParaRPr lang="en-GB" dirty="0" smtClean="0"/>
+          </a:p>
+          <a:p>
+            <a:r>
+              <a:rPr lang="en-GB" dirty="0" smtClean="0"/>
+              <a:t>Parsers</a:t>
+            </a:r>
+          </a:p>
+          <a:p>
+            <a:r>
+              <a:rPr lang="en-GB" dirty="0" smtClean="0"/>
+              <a:t>Hashing</a:t>
+            </a:r>
             <a:endParaRPr lang="en-US" dirty="0"/>
           </a:p>
         </p:txBody>
@@ -4447,6 +4464,41 @@
               <a:rPr lang="en-GB" dirty="0" err="1" smtClean="0"/>
               <a:t>andre</a:t>
             </a:r>
+            <a:endParaRPr lang="en-GB" dirty="0" smtClean="0"/>
+          </a:p>
+          <a:p>
+            <a:r>
+              <a:rPr lang="en-GB" dirty="0" smtClean="0"/>
+              <a:t>Python</a:t>
+            </a:r>
+          </a:p>
+          <a:p>
+            <a:pPr lvl="1"/>
+            <a:r>
+              <a:rPr lang="en-GB" dirty="0" smtClean="0"/>
+              <a:t>Python XML</a:t>
+            </a:r>
+          </a:p>
+          <a:p>
+            <a:pPr lvl="1"/>
+            <a:r>
+              <a:rPr lang="en-GB" dirty="0" smtClean="0"/>
+              <a:t>Python </a:t>
+            </a:r>
+            <a:r>
+              <a:rPr lang="en-GB" dirty="0" err="1" smtClean="0"/>
+              <a:t>Hashlib</a:t>
+            </a:r>
+            <a:endParaRPr lang="en-GB" dirty="0" smtClean="0"/>
+          </a:p>
+          <a:p>
+            <a:pPr lvl="1"/>
+            <a:r>
+              <a:rPr lang="en-GB" smtClean="0"/>
+              <a:t>JSON</a:t>
+            </a:r>
+          </a:p>
+          <a:p>
             <a:endParaRPr lang="en-US" dirty="0"/>
           </a:p>
         </p:txBody>
